--- a/docker image setup.pptx
+++ b/docker image setup.pptx
@@ -602,7 +602,7 @@
           <a:noFill/>
           <a:extLst>
             <a:ext uri="{909E8E84-426E-40dd-AFC4-6F175D3DCCD1}">
-              <a14:hiddenFill xmlns:a14="http://schemas.microsoft.com/office/drawing/2010/main" xmlns="">
+              <a14:hiddenFill xmlns="" xmlns:a14="http://schemas.microsoft.com/office/drawing/2010/main">
                 <a:solidFill>
                   <a:srgbClr val="FFFFFF"/>
                 </a:solidFill>
@@ -662,7 +662,7 @@
             </a:ln>
             <a:extLst>
               <a:ext uri="{91240B29-F687-4f45-9708-019B960494DF}">
-                <a14:hiddenLine xmlns:a14="http://schemas.microsoft.com/office/drawing/2010/main" xmlns="" w="9525">
+                <a14:hiddenLine xmlns="" xmlns:a14="http://schemas.microsoft.com/office/drawing/2010/main" w="9525">
                   <a:solidFill>
                     <a:srgbClr val="000000"/>
                   </a:solidFill>
@@ -752,7 +752,7 @@
             </a:ln>
             <a:extLst>
               <a:ext uri="{91240B29-F687-4f45-9708-019B960494DF}">
-                <a14:hiddenLine xmlns:a14="http://schemas.microsoft.com/office/drawing/2010/main" xmlns="" w="9525">
+                <a14:hiddenLine xmlns="" xmlns:a14="http://schemas.microsoft.com/office/drawing/2010/main" w="9525">
                   <a:solidFill>
                     <a:srgbClr val="000000"/>
                   </a:solidFill>
@@ -842,7 +842,7 @@
             </a:ln>
             <a:extLst>
               <a:ext uri="{91240B29-F687-4f45-9708-019B960494DF}">
-                <a14:hiddenLine xmlns:a14="http://schemas.microsoft.com/office/drawing/2010/main" xmlns="" w="9525">
+                <a14:hiddenLine xmlns="" xmlns:a14="http://schemas.microsoft.com/office/drawing/2010/main" w="9525">
                   <a:solidFill>
                     <a:srgbClr val="000000"/>
                   </a:solidFill>
@@ -876,7 +876,7 @@
             </a:ln>
             <a:extLst>
               <a:ext uri="{91240B29-F687-4f45-9708-019B960494DF}">
-                <a14:hiddenLine xmlns:a14="http://schemas.microsoft.com/office/drawing/2010/main" xmlns="" w="9525">
+                <a14:hiddenLine xmlns="" xmlns:a14="http://schemas.microsoft.com/office/drawing/2010/main" w="9525">
                   <a:solidFill>
                     <a:srgbClr val="000000"/>
                   </a:solidFill>
@@ -966,7 +966,7 @@
             </a:ln>
             <a:extLst>
               <a:ext uri="{91240B29-F687-4f45-9708-019B960494DF}">
-                <a14:hiddenLine xmlns:a14="http://schemas.microsoft.com/office/drawing/2010/main" xmlns="" w="9525">
+                <a14:hiddenLine xmlns="" xmlns:a14="http://schemas.microsoft.com/office/drawing/2010/main" w="9525">
                   <a:solidFill>
                     <a:srgbClr val="000000"/>
                   </a:solidFill>
@@ -1028,7 +1028,7 @@
             </a:ln>
             <a:extLst>
               <a:ext uri="{91240B29-F687-4f45-9708-019B960494DF}">
-                <a14:hiddenLine xmlns:a14="http://schemas.microsoft.com/office/drawing/2010/main" xmlns="" w="9525">
+                <a14:hiddenLine xmlns="" xmlns:a14="http://schemas.microsoft.com/office/drawing/2010/main" w="9525">
                   <a:solidFill>
                     <a:srgbClr val="000000"/>
                   </a:solidFill>
@@ -1090,7 +1090,7 @@
             </a:ln>
             <a:extLst>
               <a:ext uri="{91240B29-F687-4f45-9708-019B960494DF}">
-                <a14:hiddenLine xmlns:a14="http://schemas.microsoft.com/office/drawing/2010/main" xmlns="" w="9525">
+                <a14:hiddenLine xmlns="" xmlns:a14="http://schemas.microsoft.com/office/drawing/2010/main" w="9525">
                   <a:solidFill>
                     <a:srgbClr val="000000"/>
                   </a:solidFill>
@@ -1180,7 +1180,7 @@
             </a:ln>
             <a:extLst>
               <a:ext uri="{91240B29-F687-4f45-9708-019B960494DF}">
-                <a14:hiddenLine xmlns:a14="http://schemas.microsoft.com/office/drawing/2010/main" xmlns="" w="9525">
+                <a14:hiddenLine xmlns="" xmlns:a14="http://schemas.microsoft.com/office/drawing/2010/main" w="9525">
                   <a:solidFill>
                     <a:srgbClr val="000000"/>
                   </a:solidFill>
@@ -1242,7 +1242,7 @@
             </a:ln>
             <a:extLst>
               <a:ext uri="{91240B29-F687-4f45-9708-019B960494DF}">
-                <a14:hiddenLine xmlns:a14="http://schemas.microsoft.com/office/drawing/2010/main" xmlns="" w="9525">
+                <a14:hiddenLine xmlns="" xmlns:a14="http://schemas.microsoft.com/office/drawing/2010/main" w="9525">
                   <a:solidFill>
                     <a:srgbClr val="000000"/>
                   </a:solidFill>
@@ -1304,7 +1304,7 @@
             </a:ln>
             <a:extLst>
               <a:ext uri="{91240B29-F687-4f45-9708-019B960494DF}">
-                <a14:hiddenLine xmlns:a14="http://schemas.microsoft.com/office/drawing/2010/main" xmlns="" w="9525">
+                <a14:hiddenLine xmlns="" xmlns:a14="http://schemas.microsoft.com/office/drawing/2010/main" w="9525">
                   <a:solidFill>
                     <a:srgbClr val="000000"/>
                   </a:solidFill>
@@ -1394,7 +1394,7 @@
             </a:ln>
             <a:extLst>
               <a:ext uri="{91240B29-F687-4f45-9708-019B960494DF}">
-                <a14:hiddenLine xmlns:a14="http://schemas.microsoft.com/office/drawing/2010/main" xmlns="" w="9525">
+                <a14:hiddenLine xmlns="" xmlns:a14="http://schemas.microsoft.com/office/drawing/2010/main" w="9525">
                   <a:solidFill>
                     <a:srgbClr val="000000"/>
                   </a:solidFill>
@@ -1484,7 +1484,7 @@
             </a:ln>
             <a:extLst>
               <a:ext uri="{91240B29-F687-4f45-9708-019B960494DF}">
-                <a14:hiddenLine xmlns:a14="http://schemas.microsoft.com/office/drawing/2010/main" xmlns="" w="9525">
+                <a14:hiddenLine xmlns="" xmlns:a14="http://schemas.microsoft.com/office/drawing/2010/main" w="9525">
                   <a:solidFill>
                     <a:srgbClr val="000000"/>
                   </a:solidFill>
@@ -1546,7 +1546,7 @@
             </a:ln>
             <a:extLst>
               <a:ext uri="{91240B29-F687-4f45-9708-019B960494DF}">
-                <a14:hiddenLine xmlns:a14="http://schemas.microsoft.com/office/drawing/2010/main" xmlns="" w="9525">
+                <a14:hiddenLine xmlns="" xmlns:a14="http://schemas.microsoft.com/office/drawing/2010/main" w="9525">
                   <a:solidFill>
                     <a:srgbClr val="000000"/>
                   </a:solidFill>
@@ -1656,7 +1656,7 @@
             </a:ln>
             <a:extLst>
               <a:ext uri="{91240B29-F687-4f45-9708-019B960494DF}">
-                <a14:hiddenLine xmlns:a14="http://schemas.microsoft.com/office/drawing/2010/main" xmlns="" w="9525">
+                <a14:hiddenLine xmlns="" xmlns:a14="http://schemas.microsoft.com/office/drawing/2010/main" w="9525">
                   <a:solidFill>
                     <a:srgbClr val="000000"/>
                   </a:solidFill>
@@ -1718,7 +1718,7 @@
             </a:ln>
             <a:extLst>
               <a:ext uri="{91240B29-F687-4f45-9708-019B960494DF}">
-                <a14:hiddenLine xmlns:a14="http://schemas.microsoft.com/office/drawing/2010/main" xmlns="" w="9525">
+                <a14:hiddenLine xmlns="" xmlns:a14="http://schemas.microsoft.com/office/drawing/2010/main" w="9525">
                   <a:solidFill>
                     <a:srgbClr val="000000"/>
                   </a:solidFill>
@@ -1808,7 +1808,7 @@
             </a:ln>
             <a:extLst>
               <a:ext uri="{91240B29-F687-4f45-9708-019B960494DF}">
-                <a14:hiddenLine xmlns:a14="http://schemas.microsoft.com/office/drawing/2010/main" xmlns="" w="9525">
+                <a14:hiddenLine xmlns="" xmlns:a14="http://schemas.microsoft.com/office/drawing/2010/main" w="9525">
                   <a:solidFill>
                     <a:srgbClr val="000000"/>
                   </a:solidFill>
@@ -1898,7 +1898,7 @@
             </a:ln>
             <a:extLst>
               <a:ext uri="{91240B29-F687-4f45-9708-019B960494DF}">
-                <a14:hiddenLine xmlns:a14="http://schemas.microsoft.com/office/drawing/2010/main" xmlns="" w="9525">
+                <a14:hiddenLine xmlns="" xmlns:a14="http://schemas.microsoft.com/office/drawing/2010/main" w="9525">
                   <a:solidFill>
                     <a:srgbClr val="000000"/>
                   </a:solidFill>
@@ -1960,7 +1960,7 @@
             </a:ln>
             <a:extLst>
               <a:ext uri="{91240B29-F687-4f45-9708-019B960494DF}">
-                <a14:hiddenLine xmlns:a14="http://schemas.microsoft.com/office/drawing/2010/main" xmlns="" w="9525">
+                <a14:hiddenLine xmlns="" xmlns:a14="http://schemas.microsoft.com/office/drawing/2010/main" w="9525">
                   <a:solidFill>
                     <a:srgbClr val="000000"/>
                   </a:solidFill>
@@ -2050,7 +2050,7 @@
             </a:ln>
             <a:extLst>
               <a:ext uri="{91240B29-F687-4f45-9708-019B960494DF}">
-                <a14:hiddenLine xmlns:a14="http://schemas.microsoft.com/office/drawing/2010/main" xmlns="" w="9525">
+                <a14:hiddenLine xmlns="" xmlns:a14="http://schemas.microsoft.com/office/drawing/2010/main" w="9525">
                   <a:solidFill>
                     <a:srgbClr val="000000"/>
                   </a:solidFill>
@@ -2140,7 +2140,7 @@
             </a:ln>
             <a:extLst>
               <a:ext uri="{91240B29-F687-4f45-9708-019B960494DF}">
-                <a14:hiddenLine xmlns:a14="http://schemas.microsoft.com/office/drawing/2010/main" xmlns="" w="9525">
+                <a14:hiddenLine xmlns="" xmlns:a14="http://schemas.microsoft.com/office/drawing/2010/main" w="9525">
                   <a:solidFill>
                     <a:srgbClr val="000000"/>
                   </a:solidFill>
@@ -2196,7 +2196,7 @@
             </a:ln>
             <a:extLst>
               <a:ext uri="{91240B29-F687-4f45-9708-019B960494DF}">
-                <a14:hiddenLine xmlns:a14="http://schemas.microsoft.com/office/drawing/2010/main" xmlns="" w="9525">
+                <a14:hiddenLine xmlns="" xmlns:a14="http://schemas.microsoft.com/office/drawing/2010/main" w="9525">
                   <a:solidFill>
                     <a:srgbClr val="000000"/>
                   </a:solidFill>
@@ -2286,7 +2286,7 @@
             </a:ln>
             <a:extLst>
               <a:ext uri="{91240B29-F687-4f45-9708-019B960494DF}">
-                <a14:hiddenLine xmlns:a14="http://schemas.microsoft.com/office/drawing/2010/main" xmlns="" w="9525">
+                <a14:hiddenLine xmlns="" xmlns:a14="http://schemas.microsoft.com/office/drawing/2010/main" w="9525">
                   <a:solidFill>
                     <a:srgbClr val="000000"/>
                   </a:solidFill>
@@ -2342,7 +2342,7 @@
             </a:ln>
             <a:extLst>
               <a:ext uri="{91240B29-F687-4f45-9708-019B960494DF}">
-                <a14:hiddenLine xmlns:a14="http://schemas.microsoft.com/office/drawing/2010/main" xmlns="" w="9525">
+                <a14:hiddenLine xmlns="" xmlns:a14="http://schemas.microsoft.com/office/drawing/2010/main" w="9525">
                   <a:solidFill>
                     <a:srgbClr val="000000"/>
                   </a:solidFill>
@@ -2432,7 +2432,7 @@
             </a:ln>
             <a:extLst>
               <a:ext uri="{91240B29-F687-4f45-9708-019B960494DF}">
-                <a14:hiddenLine xmlns:a14="http://schemas.microsoft.com/office/drawing/2010/main" xmlns="" w="9525">
+                <a14:hiddenLine xmlns="" xmlns:a14="http://schemas.microsoft.com/office/drawing/2010/main" w="9525">
                   <a:solidFill>
                     <a:srgbClr val="000000"/>
                   </a:solidFill>
@@ -2500,7 +2500,7 @@
             </a:ln>
             <a:extLst>
               <a:ext uri="{91240B29-F687-4f45-9708-019B960494DF}">
-                <a14:hiddenLine xmlns:a14="http://schemas.microsoft.com/office/drawing/2010/main" xmlns="" w="9525">
+                <a14:hiddenLine xmlns="" xmlns:a14="http://schemas.microsoft.com/office/drawing/2010/main" w="9525">
                   <a:solidFill>
                     <a:srgbClr val="000000"/>
                   </a:solidFill>
@@ -2590,7 +2590,7 @@
             </a:ln>
             <a:extLst>
               <a:ext uri="{91240B29-F687-4f45-9708-019B960494DF}">
-                <a14:hiddenLine xmlns:a14="http://schemas.microsoft.com/office/drawing/2010/main" xmlns="" w="9525">
+                <a14:hiddenLine xmlns="" xmlns:a14="http://schemas.microsoft.com/office/drawing/2010/main" w="9525">
                   <a:solidFill>
                     <a:srgbClr val="000000"/>
                   </a:solidFill>
@@ -2658,7 +2658,7 @@
             </a:ln>
             <a:extLst>
               <a:ext uri="{91240B29-F687-4f45-9708-019B960494DF}">
-                <a14:hiddenLine xmlns:a14="http://schemas.microsoft.com/office/drawing/2010/main" xmlns="" w="9525">
+                <a14:hiddenLine xmlns="" xmlns:a14="http://schemas.microsoft.com/office/drawing/2010/main" w="9525">
                   <a:solidFill>
                     <a:srgbClr val="000000"/>
                   </a:solidFill>
@@ -2748,7 +2748,7 @@
             </a:ln>
             <a:extLst>
               <a:ext uri="{91240B29-F687-4f45-9708-019B960494DF}">
-                <a14:hiddenLine xmlns:a14="http://schemas.microsoft.com/office/drawing/2010/main" xmlns="" w="9525">
+                <a14:hiddenLine xmlns="" xmlns:a14="http://schemas.microsoft.com/office/drawing/2010/main" w="9525">
                   <a:solidFill>
                     <a:srgbClr val="000000"/>
                   </a:solidFill>
@@ -2782,7 +2782,7 @@
             </a:ln>
             <a:extLst>
               <a:ext uri="{91240B29-F687-4f45-9708-019B960494DF}">
-                <a14:hiddenLine xmlns:a14="http://schemas.microsoft.com/office/drawing/2010/main" xmlns="" w="9525">
+                <a14:hiddenLine xmlns="" xmlns:a14="http://schemas.microsoft.com/office/drawing/2010/main" w="9525">
                   <a:solidFill>
                     <a:srgbClr val="000000"/>
                   </a:solidFill>
@@ -2872,7 +2872,7 @@
             </a:ln>
             <a:extLst>
               <a:ext uri="{91240B29-F687-4f45-9708-019B960494DF}">
-                <a14:hiddenLine xmlns:a14="http://schemas.microsoft.com/office/drawing/2010/main" xmlns="" w="9525">
+                <a14:hiddenLine xmlns="" xmlns:a14="http://schemas.microsoft.com/office/drawing/2010/main" w="9525">
                   <a:solidFill>
                     <a:srgbClr val="000000"/>
                   </a:solidFill>
@@ -2934,7 +2934,7 @@
             </a:ln>
             <a:extLst>
               <a:ext uri="{91240B29-F687-4f45-9708-019B960494DF}">
-                <a14:hiddenLine xmlns:a14="http://schemas.microsoft.com/office/drawing/2010/main" xmlns="" w="9525">
+                <a14:hiddenLine xmlns="" xmlns:a14="http://schemas.microsoft.com/office/drawing/2010/main" w="9525">
                   <a:solidFill>
                     <a:srgbClr val="000000"/>
                   </a:solidFill>
@@ -2996,7 +2996,7 @@
             </a:ln>
             <a:extLst>
               <a:ext uri="{91240B29-F687-4f45-9708-019B960494DF}">
-                <a14:hiddenLine xmlns:a14="http://schemas.microsoft.com/office/drawing/2010/main" xmlns="" w="9525">
+                <a14:hiddenLine xmlns="" xmlns:a14="http://schemas.microsoft.com/office/drawing/2010/main" w="9525">
                   <a:solidFill>
                     <a:srgbClr val="000000"/>
                   </a:solidFill>
@@ -3086,7 +3086,7 @@
             </a:ln>
             <a:extLst>
               <a:ext uri="{91240B29-F687-4f45-9708-019B960494DF}">
-                <a14:hiddenLine xmlns:a14="http://schemas.microsoft.com/office/drawing/2010/main" xmlns="" w="9525">
+                <a14:hiddenLine xmlns="" xmlns:a14="http://schemas.microsoft.com/office/drawing/2010/main" w="9525">
                   <a:solidFill>
                     <a:srgbClr val="000000"/>
                   </a:solidFill>
@@ -3154,7 +3154,7 @@
             </a:ln>
             <a:extLst>
               <a:ext uri="{91240B29-F687-4f45-9708-019B960494DF}">
-                <a14:hiddenLine xmlns:a14="http://schemas.microsoft.com/office/drawing/2010/main" xmlns="" w="9525">
+                <a14:hiddenLine xmlns="" xmlns:a14="http://schemas.microsoft.com/office/drawing/2010/main" w="9525">
                   <a:solidFill>
                     <a:srgbClr val="000000"/>
                   </a:solidFill>
@@ -3216,7 +3216,7 @@
             </a:ln>
             <a:extLst>
               <a:ext uri="{91240B29-F687-4f45-9708-019B960494DF}">
-                <a14:hiddenLine xmlns:a14="http://schemas.microsoft.com/office/drawing/2010/main" xmlns="" w="9525">
+                <a14:hiddenLine xmlns="" xmlns:a14="http://schemas.microsoft.com/office/drawing/2010/main" w="9525">
                   <a:solidFill>
                     <a:srgbClr val="000000"/>
                   </a:solidFill>
@@ -3306,7 +3306,7 @@
             </a:ln>
             <a:extLst>
               <a:ext uri="{91240B29-F687-4f45-9708-019B960494DF}">
-                <a14:hiddenLine xmlns:a14="http://schemas.microsoft.com/office/drawing/2010/main" xmlns="" w="9525">
+                <a14:hiddenLine xmlns="" xmlns:a14="http://schemas.microsoft.com/office/drawing/2010/main" w="9525">
                   <a:solidFill>
                     <a:srgbClr val="000000"/>
                   </a:solidFill>
@@ -3368,7 +3368,7 @@
             </a:ln>
             <a:extLst>
               <a:ext uri="{91240B29-F687-4f45-9708-019B960494DF}">
-                <a14:hiddenLine xmlns:a14="http://schemas.microsoft.com/office/drawing/2010/main" xmlns="" w="9525">
+                <a14:hiddenLine xmlns="" xmlns:a14="http://schemas.microsoft.com/office/drawing/2010/main" w="9525">
                   <a:solidFill>
                     <a:srgbClr val="000000"/>
                   </a:solidFill>
@@ -3458,7 +3458,7 @@
             </a:ln>
             <a:extLst>
               <a:ext uri="{91240B29-F687-4f45-9708-019B960494DF}">
-                <a14:hiddenLine xmlns:a14="http://schemas.microsoft.com/office/drawing/2010/main" xmlns="" w="9525">
+                <a14:hiddenLine xmlns="" xmlns:a14="http://schemas.microsoft.com/office/drawing/2010/main" w="9525">
                   <a:solidFill>
                     <a:srgbClr val="000000"/>
                   </a:solidFill>
@@ -3520,7 +3520,7 @@
             </a:ln>
             <a:extLst>
               <a:ext uri="{91240B29-F687-4f45-9708-019B960494DF}">
-                <a14:hiddenLine xmlns:a14="http://schemas.microsoft.com/office/drawing/2010/main" xmlns="" w="9525">
+                <a14:hiddenLine xmlns="" xmlns:a14="http://schemas.microsoft.com/office/drawing/2010/main" w="9525">
                   <a:solidFill>
                     <a:srgbClr val="000000"/>
                   </a:solidFill>
@@ -3610,7 +3610,7 @@
             </a:ln>
             <a:extLst>
               <a:ext uri="{91240B29-F687-4f45-9708-019B960494DF}">
-                <a14:hiddenLine xmlns:a14="http://schemas.microsoft.com/office/drawing/2010/main" xmlns="" w="9525">
+                <a14:hiddenLine xmlns="" xmlns:a14="http://schemas.microsoft.com/office/drawing/2010/main" w="9525">
                   <a:solidFill>
                     <a:srgbClr val="000000"/>
                   </a:solidFill>
@@ -3644,7 +3644,7 @@
             </a:ln>
             <a:extLst>
               <a:ext uri="{91240B29-F687-4f45-9708-019B960494DF}">
-                <a14:hiddenLine xmlns:a14="http://schemas.microsoft.com/office/drawing/2010/main" xmlns="" w="9525">
+                <a14:hiddenLine xmlns="" xmlns:a14="http://schemas.microsoft.com/office/drawing/2010/main" w="9525">
                   <a:solidFill>
                     <a:srgbClr val="000000"/>
                   </a:solidFill>
@@ -3709,7 +3709,7 @@
             </a:ln>
             <a:extLst>
               <a:ext uri="{91240B29-F687-4f45-9708-019B960494DF}">
-                <a14:hiddenLine xmlns:a14="http://schemas.microsoft.com/office/drawing/2010/main" xmlns="" w="9525">
+                <a14:hiddenLine xmlns="" xmlns:a14="http://schemas.microsoft.com/office/drawing/2010/main" w="9525">
                   <a:solidFill>
                     <a:srgbClr val="000000"/>
                   </a:solidFill>
@@ -3799,7 +3799,7 @@
             </a:ln>
             <a:extLst>
               <a:ext uri="{91240B29-F687-4f45-9708-019B960494DF}">
-                <a14:hiddenLine xmlns:a14="http://schemas.microsoft.com/office/drawing/2010/main" xmlns="" w="9525">
+                <a14:hiddenLine xmlns="" xmlns:a14="http://schemas.microsoft.com/office/drawing/2010/main" w="9525">
                   <a:solidFill>
                     <a:srgbClr val="000000"/>
                   </a:solidFill>
@@ -3861,7 +3861,7 @@
             </a:ln>
             <a:extLst>
               <a:ext uri="{91240B29-F687-4f45-9708-019B960494DF}">
-                <a14:hiddenLine xmlns:a14="http://schemas.microsoft.com/office/drawing/2010/main" xmlns="" w="9525">
+                <a14:hiddenLine xmlns="" xmlns:a14="http://schemas.microsoft.com/office/drawing/2010/main" w="9525">
                   <a:solidFill>
                     <a:srgbClr val="000000"/>
                   </a:solidFill>
@@ -3951,7 +3951,7 @@
             </a:ln>
             <a:extLst>
               <a:ext uri="{91240B29-F687-4f45-9708-019B960494DF}">
-                <a14:hiddenLine xmlns:a14="http://schemas.microsoft.com/office/drawing/2010/main" xmlns="" w="9525">
+                <a14:hiddenLine xmlns="" xmlns:a14="http://schemas.microsoft.com/office/drawing/2010/main" w="9525">
                   <a:solidFill>
                     <a:srgbClr val="000000"/>
                   </a:solidFill>
@@ -4041,7 +4041,7 @@
             </a:ln>
             <a:extLst>
               <a:ext uri="{91240B29-F687-4f45-9708-019B960494DF}">
-                <a14:hiddenLine xmlns:a14="http://schemas.microsoft.com/office/drawing/2010/main" xmlns="" w="9525">
+                <a14:hiddenLine xmlns="" xmlns:a14="http://schemas.microsoft.com/office/drawing/2010/main" w="9525">
                   <a:solidFill>
                     <a:srgbClr val="000000"/>
                   </a:solidFill>
@@ -4106,7 +4106,7 @@
             </a:ln>
             <a:extLst>
               <a:ext uri="{91240B29-F687-4f45-9708-019B960494DF}">
-                <a14:hiddenLine xmlns:a14="http://schemas.microsoft.com/office/drawing/2010/main" xmlns="" w="9525">
+                <a14:hiddenLine xmlns="" xmlns:a14="http://schemas.microsoft.com/office/drawing/2010/main" w="9525">
                   <a:solidFill>
                     <a:srgbClr val="000000"/>
                   </a:solidFill>
@@ -4168,7 +4168,7 @@
             </a:ln>
             <a:extLst>
               <a:ext uri="{91240B29-F687-4f45-9708-019B960494DF}">
-                <a14:hiddenLine xmlns:a14="http://schemas.microsoft.com/office/drawing/2010/main" xmlns="" w="9525">
+                <a14:hiddenLine xmlns="" xmlns:a14="http://schemas.microsoft.com/office/drawing/2010/main" w="9525">
                   <a:solidFill>
                     <a:srgbClr val="000000"/>
                   </a:solidFill>
@@ -4258,7 +4258,7 @@
             </a:ln>
             <a:extLst>
               <a:ext uri="{91240B29-F687-4f45-9708-019B960494DF}">
-                <a14:hiddenLine xmlns:a14="http://schemas.microsoft.com/office/drawing/2010/main" xmlns="" w="9525">
+                <a14:hiddenLine xmlns="" xmlns:a14="http://schemas.microsoft.com/office/drawing/2010/main" w="9525">
                   <a:solidFill>
                     <a:srgbClr val="000000"/>
                   </a:solidFill>
@@ -4348,7 +4348,7 @@
             </a:ln>
             <a:extLst>
               <a:ext uri="{91240B29-F687-4f45-9708-019B960494DF}">
-                <a14:hiddenLine xmlns:a14="http://schemas.microsoft.com/office/drawing/2010/main" xmlns="" w="9525">
+                <a14:hiddenLine xmlns="" xmlns:a14="http://schemas.microsoft.com/office/drawing/2010/main" w="9525">
                   <a:solidFill>
                     <a:srgbClr val="000000"/>
                   </a:solidFill>
@@ -4410,7 +4410,7 @@
             </a:ln>
             <a:extLst>
               <a:ext uri="{91240B29-F687-4f45-9708-019B960494DF}">
-                <a14:hiddenLine xmlns:a14="http://schemas.microsoft.com/office/drawing/2010/main" xmlns="" w="9525">
+                <a14:hiddenLine xmlns="" xmlns:a14="http://schemas.microsoft.com/office/drawing/2010/main" w="9525">
                   <a:solidFill>
                     <a:srgbClr val="000000"/>
                   </a:solidFill>
@@ -4530,7 +4530,7 @@
             </a:ln>
             <a:extLst>
               <a:ext uri="{91240B29-F687-4f45-9708-019B960494DF}">
-                <a14:hiddenLine xmlns:a14="http://schemas.microsoft.com/office/drawing/2010/main" xmlns="" w="9525">
+                <a14:hiddenLine xmlns="" xmlns:a14="http://schemas.microsoft.com/office/drawing/2010/main" w="9525">
                   <a:solidFill>
                     <a:srgbClr val="000000"/>
                   </a:solidFill>
@@ -4598,7 +4598,7 @@
             </a:ln>
             <a:extLst>
               <a:ext uri="{91240B29-F687-4f45-9708-019B960494DF}">
-                <a14:hiddenLine xmlns:a14="http://schemas.microsoft.com/office/drawing/2010/main" xmlns="" w="9525">
+                <a14:hiddenLine xmlns="" xmlns:a14="http://schemas.microsoft.com/office/drawing/2010/main" w="9525">
                   <a:solidFill>
                     <a:srgbClr val="000000"/>
                   </a:solidFill>
@@ -4688,7 +4688,7 @@
             </a:ln>
             <a:extLst>
               <a:ext uri="{91240B29-F687-4f45-9708-019B960494DF}">
-                <a14:hiddenLine xmlns:a14="http://schemas.microsoft.com/office/drawing/2010/main" xmlns="" w="9525">
+                <a14:hiddenLine xmlns="" xmlns:a14="http://schemas.microsoft.com/office/drawing/2010/main" w="9525">
                   <a:solidFill>
                     <a:srgbClr val="000000"/>
                   </a:solidFill>
@@ -9417,7 +9417,7 @@
           <a:noFill/>
           <a:extLst>
             <a:ext uri="{909E8E84-426E-40dd-AFC4-6F175D3DCCD1}">
-              <a14:hiddenFill xmlns:a14="http://schemas.microsoft.com/office/drawing/2010/main" xmlns="">
+              <a14:hiddenFill xmlns="" xmlns:a14="http://schemas.microsoft.com/office/drawing/2010/main">
                 <a:solidFill>
                   <a:srgbClr val="FFFFFF"/>
                 </a:solidFill>
@@ -9491,7 +9491,7 @@
               </a:ln>
               <a:extLst>
                 <a:ext uri="{91240B29-F687-4f45-9708-019B960494DF}">
-                  <a14:hiddenLine xmlns:a14="http://schemas.microsoft.com/office/drawing/2010/main" xmlns="" w="9525">
+                  <a14:hiddenLine xmlns="" xmlns:a14="http://schemas.microsoft.com/office/drawing/2010/main" w="9525">
                     <a:solidFill>
                       <a:srgbClr val="000000"/>
                     </a:solidFill>
@@ -9581,7 +9581,7 @@
               </a:ln>
               <a:extLst>
                 <a:ext uri="{91240B29-F687-4f45-9708-019B960494DF}">
-                  <a14:hiddenLine xmlns:a14="http://schemas.microsoft.com/office/drawing/2010/main" xmlns="" w="9525">
+                  <a14:hiddenLine xmlns="" xmlns:a14="http://schemas.microsoft.com/office/drawing/2010/main" w="9525">
                     <a:solidFill>
                       <a:srgbClr val="000000"/>
                     </a:solidFill>
@@ -9671,7 +9671,7 @@
               </a:ln>
               <a:extLst>
                 <a:ext uri="{91240B29-F687-4f45-9708-019B960494DF}">
-                  <a14:hiddenLine xmlns:a14="http://schemas.microsoft.com/office/drawing/2010/main" xmlns="" w="9525">
+                  <a14:hiddenLine xmlns="" xmlns:a14="http://schemas.microsoft.com/office/drawing/2010/main" w="9525">
                     <a:solidFill>
                       <a:srgbClr val="000000"/>
                     </a:solidFill>
@@ -9733,7 +9733,7 @@
               </a:ln>
               <a:extLst>
                 <a:ext uri="{91240B29-F687-4f45-9708-019B960494DF}">
-                  <a14:hiddenLine xmlns:a14="http://schemas.microsoft.com/office/drawing/2010/main" xmlns="" w="9525">
+                  <a14:hiddenLine xmlns="" xmlns:a14="http://schemas.microsoft.com/office/drawing/2010/main" w="9525">
                     <a:solidFill>
                       <a:srgbClr val="000000"/>
                     </a:solidFill>
@@ -9823,7 +9823,7 @@
               </a:ln>
               <a:extLst>
                 <a:ext uri="{91240B29-F687-4f45-9708-019B960494DF}">
-                  <a14:hiddenLine xmlns:a14="http://schemas.microsoft.com/office/drawing/2010/main" xmlns="" w="9525">
+                  <a14:hiddenLine xmlns="" xmlns:a14="http://schemas.microsoft.com/office/drawing/2010/main" w="9525">
                     <a:solidFill>
                       <a:srgbClr val="000000"/>
                     </a:solidFill>
@@ -9885,7 +9885,7 @@
               </a:ln>
               <a:extLst>
                 <a:ext uri="{91240B29-F687-4f45-9708-019B960494DF}">
-                  <a14:hiddenLine xmlns:a14="http://schemas.microsoft.com/office/drawing/2010/main" xmlns="" w="9525">
+                  <a14:hiddenLine xmlns="" xmlns:a14="http://schemas.microsoft.com/office/drawing/2010/main" w="9525">
                     <a:solidFill>
                       <a:srgbClr val="000000"/>
                     </a:solidFill>
@@ -9947,7 +9947,7 @@
               </a:ln>
               <a:extLst>
                 <a:ext uri="{91240B29-F687-4f45-9708-019B960494DF}">
-                  <a14:hiddenLine xmlns:a14="http://schemas.microsoft.com/office/drawing/2010/main" xmlns="" w="9525">
+                  <a14:hiddenLine xmlns="" xmlns:a14="http://schemas.microsoft.com/office/drawing/2010/main" w="9525">
                     <a:solidFill>
                       <a:srgbClr val="000000"/>
                     </a:solidFill>
@@ -10037,7 +10037,7 @@
               </a:ln>
               <a:extLst>
                 <a:ext uri="{91240B29-F687-4f45-9708-019B960494DF}">
-                  <a14:hiddenLine xmlns:a14="http://schemas.microsoft.com/office/drawing/2010/main" xmlns="" w="9525">
+                  <a14:hiddenLine xmlns="" xmlns:a14="http://schemas.microsoft.com/office/drawing/2010/main" w="9525">
                     <a:solidFill>
                       <a:srgbClr val="000000"/>
                     </a:solidFill>
@@ -10127,7 +10127,7 @@
               </a:ln>
               <a:extLst>
                 <a:ext uri="{91240B29-F687-4f45-9708-019B960494DF}">
-                  <a14:hiddenLine xmlns:a14="http://schemas.microsoft.com/office/drawing/2010/main" xmlns="" w="9525">
+                  <a14:hiddenLine xmlns="" xmlns:a14="http://schemas.microsoft.com/office/drawing/2010/main" w="9525">
                     <a:solidFill>
                       <a:srgbClr val="000000"/>
                     </a:solidFill>
@@ -10189,7 +10189,7 @@
               </a:ln>
               <a:extLst>
                 <a:ext uri="{91240B29-F687-4f45-9708-019B960494DF}">
-                  <a14:hiddenLine xmlns:a14="http://schemas.microsoft.com/office/drawing/2010/main" xmlns="" w="9525">
+                  <a14:hiddenLine xmlns="" xmlns:a14="http://schemas.microsoft.com/office/drawing/2010/main" w="9525">
                     <a:solidFill>
                       <a:srgbClr val="000000"/>
                     </a:solidFill>
@@ -10299,7 +10299,7 @@
               </a:ln>
               <a:extLst>
                 <a:ext uri="{91240B29-F687-4f45-9708-019B960494DF}">
-                  <a14:hiddenLine xmlns:a14="http://schemas.microsoft.com/office/drawing/2010/main" xmlns="" w="9525">
+                  <a14:hiddenLine xmlns="" xmlns:a14="http://schemas.microsoft.com/office/drawing/2010/main" w="9525">
                     <a:solidFill>
                       <a:srgbClr val="000000"/>
                     </a:solidFill>
@@ -10383,7 +10383,7 @@
               </a:ln>
               <a:extLst>
                 <a:ext uri="{91240B29-F687-4f45-9708-019B960494DF}">
-                  <a14:hiddenLine xmlns:a14="http://schemas.microsoft.com/office/drawing/2010/main" xmlns="" w="9525">
+                  <a14:hiddenLine xmlns="" xmlns:a14="http://schemas.microsoft.com/office/drawing/2010/main" w="9525">
                     <a:solidFill>
                       <a:srgbClr val="000000"/>
                     </a:solidFill>
@@ -10445,7 +10445,7 @@
               </a:ln>
               <a:extLst>
                 <a:ext uri="{91240B29-F687-4f45-9708-019B960494DF}">
-                  <a14:hiddenLine xmlns:a14="http://schemas.microsoft.com/office/drawing/2010/main" xmlns="" w="9525">
+                  <a14:hiddenLine xmlns="" xmlns:a14="http://schemas.microsoft.com/office/drawing/2010/main" w="9525">
                     <a:solidFill>
                       <a:srgbClr val="000000"/>
                     </a:solidFill>
@@ -10507,7 +10507,7 @@
               </a:ln>
               <a:extLst>
                 <a:ext uri="{91240B29-F687-4f45-9708-019B960494DF}">
-                  <a14:hiddenLine xmlns:a14="http://schemas.microsoft.com/office/drawing/2010/main" xmlns="" w="9525">
+                  <a14:hiddenLine xmlns="" xmlns:a14="http://schemas.microsoft.com/office/drawing/2010/main" w="9525">
                     <a:solidFill>
                       <a:srgbClr val="000000"/>
                     </a:solidFill>
@@ -10597,7 +10597,7 @@
               </a:ln>
               <a:extLst>
                 <a:ext uri="{91240B29-F687-4f45-9708-019B960494DF}">
-                  <a14:hiddenLine xmlns:a14="http://schemas.microsoft.com/office/drawing/2010/main" xmlns="" w="9525">
+                  <a14:hiddenLine xmlns="" xmlns:a14="http://schemas.microsoft.com/office/drawing/2010/main" w="9525">
                     <a:solidFill>
                       <a:srgbClr val="000000"/>
                     </a:solidFill>
@@ -10631,7 +10631,7 @@
               </a:ln>
               <a:extLst>
                 <a:ext uri="{91240B29-F687-4f45-9708-019B960494DF}">
-                  <a14:hiddenLine xmlns:a14="http://schemas.microsoft.com/office/drawing/2010/main" xmlns="" w="9525">
+                  <a14:hiddenLine xmlns="" xmlns:a14="http://schemas.microsoft.com/office/drawing/2010/main" w="9525">
                     <a:solidFill>
                       <a:srgbClr val="000000"/>
                     </a:solidFill>
@@ -10696,7 +10696,7 @@
               </a:ln>
               <a:extLst>
                 <a:ext uri="{91240B29-F687-4f45-9708-019B960494DF}">
-                  <a14:hiddenLine xmlns:a14="http://schemas.microsoft.com/office/drawing/2010/main" xmlns="" w="9525">
+                  <a14:hiddenLine xmlns="" xmlns:a14="http://schemas.microsoft.com/office/drawing/2010/main" w="9525">
                     <a:solidFill>
                       <a:srgbClr val="000000"/>
                     </a:solidFill>
@@ -10786,7 +10786,7 @@
               </a:ln>
               <a:extLst>
                 <a:ext uri="{91240B29-F687-4f45-9708-019B960494DF}">
-                  <a14:hiddenLine xmlns:a14="http://schemas.microsoft.com/office/drawing/2010/main" xmlns="" w="9525">
+                  <a14:hiddenLine xmlns="" xmlns:a14="http://schemas.microsoft.com/office/drawing/2010/main" w="9525">
                     <a:solidFill>
                       <a:srgbClr val="000000"/>
                     </a:solidFill>
@@ -10848,7 +10848,7 @@
               </a:ln>
               <a:extLst>
                 <a:ext uri="{91240B29-F687-4f45-9708-019B960494DF}">
-                  <a14:hiddenLine xmlns:a14="http://schemas.microsoft.com/office/drawing/2010/main" xmlns="" w="9525">
+                  <a14:hiddenLine xmlns="" xmlns:a14="http://schemas.microsoft.com/office/drawing/2010/main" w="9525">
                     <a:solidFill>
                       <a:srgbClr val="000000"/>
                     </a:solidFill>
@@ -10938,7 +10938,7 @@
               </a:ln>
               <a:extLst>
                 <a:ext uri="{91240B29-F687-4f45-9708-019B960494DF}">
-                  <a14:hiddenLine xmlns:a14="http://schemas.microsoft.com/office/drawing/2010/main" xmlns="" w="9525">
+                  <a14:hiddenLine xmlns="" xmlns:a14="http://schemas.microsoft.com/office/drawing/2010/main" w="9525">
                     <a:solidFill>
                       <a:srgbClr val="000000"/>
                     </a:solidFill>
@@ -11003,7 +11003,7 @@
               </a:ln>
               <a:extLst>
                 <a:ext uri="{91240B29-F687-4f45-9708-019B960494DF}">
-                  <a14:hiddenLine xmlns:a14="http://schemas.microsoft.com/office/drawing/2010/main" xmlns="" w="9525">
+                  <a14:hiddenLine xmlns="" xmlns:a14="http://schemas.microsoft.com/office/drawing/2010/main" w="9525">
                     <a:solidFill>
                       <a:srgbClr val="000000"/>
                     </a:solidFill>
@@ -11065,7 +11065,7 @@
               </a:ln>
               <a:extLst>
                 <a:ext uri="{91240B29-F687-4f45-9708-019B960494DF}">
-                  <a14:hiddenLine xmlns:a14="http://schemas.microsoft.com/office/drawing/2010/main" xmlns="" w="9525">
+                  <a14:hiddenLine xmlns="" xmlns:a14="http://schemas.microsoft.com/office/drawing/2010/main" w="9525">
                     <a:solidFill>
                       <a:srgbClr val="000000"/>
                     </a:solidFill>
@@ -11155,7 +11155,7 @@
               </a:ln>
               <a:extLst>
                 <a:ext uri="{91240B29-F687-4f45-9708-019B960494DF}">
-                  <a14:hiddenLine xmlns:a14="http://schemas.microsoft.com/office/drawing/2010/main" xmlns="" w="9525">
+                  <a14:hiddenLine xmlns="" xmlns:a14="http://schemas.microsoft.com/office/drawing/2010/main" w="9525">
                     <a:solidFill>
                       <a:srgbClr val="000000"/>
                     </a:solidFill>
@@ -11245,7 +11245,7 @@
               </a:ln>
               <a:extLst>
                 <a:ext uri="{91240B29-F687-4f45-9708-019B960494DF}">
-                  <a14:hiddenLine xmlns:a14="http://schemas.microsoft.com/office/drawing/2010/main" xmlns="" w="9525">
+                  <a14:hiddenLine xmlns="" xmlns:a14="http://schemas.microsoft.com/office/drawing/2010/main" w="9525">
                     <a:solidFill>
                       <a:srgbClr val="000000"/>
                     </a:solidFill>
@@ -11310,7 +11310,7 @@
               </a:ln>
               <a:extLst>
                 <a:ext uri="{91240B29-F687-4f45-9708-019B960494DF}">
-                  <a14:hiddenLine xmlns:a14="http://schemas.microsoft.com/office/drawing/2010/main" xmlns="" w="9525">
+                  <a14:hiddenLine xmlns="" xmlns:a14="http://schemas.microsoft.com/office/drawing/2010/main" w="9525">
                     <a:solidFill>
                       <a:srgbClr val="000000"/>
                     </a:solidFill>
@@ -11430,7 +11430,7 @@
               </a:ln>
               <a:extLst>
                 <a:ext uri="{91240B29-F687-4f45-9708-019B960494DF}">
-                  <a14:hiddenLine xmlns:a14="http://schemas.microsoft.com/office/drawing/2010/main" xmlns="" w="9525">
+                  <a14:hiddenLine xmlns="" xmlns:a14="http://schemas.microsoft.com/office/drawing/2010/main" w="9525">
                     <a:solidFill>
                       <a:srgbClr val="000000"/>
                     </a:solidFill>
@@ -11528,7 +11528,7 @@
               </a:ln>
               <a:extLst>
                 <a:ext uri="{91240B29-F687-4f45-9708-019B960494DF}">
-                  <a14:hiddenLine xmlns:a14="http://schemas.microsoft.com/office/drawing/2010/main" xmlns="" w="9525">
+                  <a14:hiddenLine xmlns="" xmlns:a14="http://schemas.microsoft.com/office/drawing/2010/main" w="9525">
                     <a:solidFill>
                       <a:srgbClr val="000000"/>
                     </a:solidFill>
@@ -11643,7 +11643,7 @@
               </a:ln>
               <a:extLst>
                 <a:ext uri="{91240B29-F687-4f45-9708-019B960494DF}">
-                  <a14:hiddenLine xmlns:a14="http://schemas.microsoft.com/office/drawing/2010/main" xmlns="" w="9525">
+                  <a14:hiddenLine xmlns="" xmlns:a14="http://schemas.microsoft.com/office/drawing/2010/main" w="9525">
                     <a:solidFill>
                       <a:srgbClr val="000000"/>
                     </a:solidFill>
@@ -11733,7 +11733,7 @@
               </a:ln>
               <a:extLst>
                 <a:ext uri="{91240B29-F687-4f45-9708-019B960494DF}">
-                  <a14:hiddenLine xmlns:a14="http://schemas.microsoft.com/office/drawing/2010/main" xmlns="" w="9525">
+                  <a14:hiddenLine xmlns="" xmlns:a14="http://schemas.microsoft.com/office/drawing/2010/main" w="9525">
                     <a:solidFill>
                       <a:srgbClr val="000000"/>
                     </a:solidFill>
@@ -11798,7 +11798,7 @@
               </a:ln>
               <a:extLst>
                 <a:ext uri="{91240B29-F687-4f45-9708-019B960494DF}">
-                  <a14:hiddenLine xmlns:a14="http://schemas.microsoft.com/office/drawing/2010/main" xmlns="" w="9525">
+                  <a14:hiddenLine xmlns="" xmlns:a14="http://schemas.microsoft.com/office/drawing/2010/main" w="9525">
                     <a:solidFill>
                       <a:srgbClr val="000000"/>
                     </a:solidFill>
@@ -11888,7 +11888,7 @@
               </a:ln>
               <a:extLst>
                 <a:ext uri="{91240B29-F687-4f45-9708-019B960494DF}">
-                  <a14:hiddenLine xmlns:a14="http://schemas.microsoft.com/office/drawing/2010/main" xmlns="" w="9525">
+                  <a14:hiddenLine xmlns="" xmlns:a14="http://schemas.microsoft.com/office/drawing/2010/main" w="9525">
                     <a:solidFill>
                       <a:srgbClr val="000000"/>
                     </a:solidFill>
@@ -11956,7 +11956,7 @@
               </a:ln>
               <a:extLst>
                 <a:ext uri="{91240B29-F687-4f45-9708-019B960494DF}">
-                  <a14:hiddenLine xmlns:a14="http://schemas.microsoft.com/office/drawing/2010/main" xmlns="" w="9525">
+                  <a14:hiddenLine xmlns="" xmlns:a14="http://schemas.microsoft.com/office/drawing/2010/main" w="9525">
                     <a:solidFill>
                       <a:srgbClr val="000000"/>
                     </a:solidFill>
@@ -12046,7 +12046,7 @@
               </a:ln>
               <a:extLst>
                 <a:ext uri="{91240B29-F687-4f45-9708-019B960494DF}">
-                  <a14:hiddenLine xmlns:a14="http://schemas.microsoft.com/office/drawing/2010/main" xmlns="" w="9525">
+                  <a14:hiddenLine xmlns="" xmlns:a14="http://schemas.microsoft.com/office/drawing/2010/main" w="9525">
                     <a:solidFill>
                       <a:srgbClr val="000000"/>
                     </a:solidFill>
@@ -12114,7 +12114,7 @@
               </a:ln>
               <a:extLst>
                 <a:ext uri="{91240B29-F687-4f45-9708-019B960494DF}">
-                  <a14:hiddenLine xmlns:a14="http://schemas.microsoft.com/office/drawing/2010/main" xmlns="" w="9525">
+                  <a14:hiddenLine xmlns="" xmlns:a14="http://schemas.microsoft.com/office/drawing/2010/main" w="9525">
                     <a:solidFill>
                       <a:srgbClr val="000000"/>
                     </a:solidFill>
@@ -12204,7 +12204,7 @@
               </a:ln>
               <a:extLst>
                 <a:ext uri="{91240B29-F687-4f45-9708-019B960494DF}">
-                  <a14:hiddenLine xmlns:a14="http://schemas.microsoft.com/office/drawing/2010/main" xmlns="" w="9525">
+                  <a14:hiddenLine xmlns="" xmlns:a14="http://schemas.microsoft.com/office/drawing/2010/main" w="9525">
                     <a:solidFill>
                       <a:srgbClr val="000000"/>
                     </a:solidFill>
@@ -12238,7 +12238,7 @@
               </a:ln>
               <a:extLst>
                 <a:ext uri="{91240B29-F687-4f45-9708-019B960494DF}">
-                  <a14:hiddenLine xmlns:a14="http://schemas.microsoft.com/office/drawing/2010/main" xmlns="" w="9525">
+                  <a14:hiddenLine xmlns="" xmlns:a14="http://schemas.microsoft.com/office/drawing/2010/main" w="9525">
                     <a:solidFill>
                       <a:srgbClr val="000000"/>
                     </a:solidFill>
@@ -12837,7 +12837,7 @@
           <p:cNvPr id="2" name="Title 1">
             <a:extLst>
               <a:ext uri="{FF2B5EF4-FFF2-40B4-BE49-F238E27FC236}">
-                <a16:creationId xmlns:a16="http://schemas.microsoft.com/office/drawing/2014/main" xmlns="" id="{43B74917-C0A9-4276-971E-761385F5BFD7}"/>
+                <a16:creationId xmlns="" xmlns:a16="http://schemas.microsoft.com/office/drawing/2014/main" id="{43B74917-C0A9-4276-971E-761385F5BFD7}"/>
               </a:ext>
             </a:extLst>
           </p:cNvPr>
@@ -12858,12 +12858,12 @@
               <a:t>build </a:t>
             </a:r>
             <a:r>
-              <a:rPr lang="en-US" dirty="0" err="1" smtClean="0"/>
-              <a:t>docker</a:t>
+              <a:rPr lang="en-US" dirty="0" smtClean="0"/>
+              <a:t>Docker </a:t>
             </a:r>
             <a:r>
               <a:rPr lang="en-US" dirty="0" smtClean="0"/>
-              <a:t> image</a:t>
+              <a:t>image</a:t>
             </a:r>
             <a:endParaRPr lang="en-US" dirty="0"/>
           </a:p>
@@ -12874,7 +12874,7 @@
           <p:cNvPr id="3" name="Subtitle 2">
             <a:extLst>
               <a:ext uri="{FF2B5EF4-FFF2-40B4-BE49-F238E27FC236}">
-                <a16:creationId xmlns:a16="http://schemas.microsoft.com/office/drawing/2014/main" xmlns="" id="{FDC26E4C-1DF1-481F-A9FD-62F74ED7D2AF}"/>
+                <a16:creationId xmlns="" xmlns:a16="http://schemas.microsoft.com/office/drawing/2014/main" id="{FDC26E4C-1DF1-481F-A9FD-62F74ED7D2AF}"/>
               </a:ext>
             </a:extLst>
           </p:cNvPr>
@@ -12899,12 +12899,12 @@
               <a:t>and </a:t>
             </a:r>
             <a:r>
-              <a:rPr lang="en-US" dirty="0" err="1" smtClean="0"/>
-              <a:t>linux</a:t>
+              <a:rPr lang="en-US" dirty="0" smtClean="0"/>
+              <a:t>Linux </a:t>
             </a:r>
             <a:r>
               <a:rPr lang="en-US" dirty="0" smtClean="0"/>
-              <a:t> images</a:t>
+              <a:t>images</a:t>
             </a:r>
             <a:endParaRPr lang="en-US" dirty="0"/>
           </a:p>
@@ -12962,7 +12962,7 @@
           <p:cNvPr id="2" name="Title 1">
             <a:extLst>
               <a:ext uri="{FF2B5EF4-FFF2-40B4-BE49-F238E27FC236}">
-                <a16:creationId xmlns:a16="http://schemas.microsoft.com/office/drawing/2014/main" xmlns="" id="{586505FD-F7DB-453C-905B-146E33F39EC6}"/>
+                <a16:creationId xmlns="" xmlns:a16="http://schemas.microsoft.com/office/drawing/2014/main" id="{586505FD-F7DB-453C-905B-146E33F39EC6}"/>
               </a:ext>
             </a:extLst>
           </p:cNvPr>
@@ -12990,7 +12990,7 @@
           <p:cNvPr id="3" name="Content Placeholder 2">
             <a:extLst>
               <a:ext uri="{FF2B5EF4-FFF2-40B4-BE49-F238E27FC236}">
-                <a16:creationId xmlns:a16="http://schemas.microsoft.com/office/drawing/2014/main" xmlns="" id="{869029A0-F9DB-46B8-A644-4F60A433F039}"/>
+                <a16:creationId xmlns="" xmlns:a16="http://schemas.microsoft.com/office/drawing/2014/main" id="{869029A0-F9DB-46B8-A644-4F60A433F039}"/>
               </a:ext>
             </a:extLst>
           </p:cNvPr>
@@ -13088,7 +13088,7 @@
           <p:cNvPr id="2" name="Title 1">
             <a:extLst>
               <a:ext uri="{FF2B5EF4-FFF2-40B4-BE49-F238E27FC236}">
-                <a16:creationId xmlns:a16="http://schemas.microsoft.com/office/drawing/2014/main" xmlns="" id="{586505FD-F7DB-453C-905B-146E33F39EC6}"/>
+                <a16:creationId xmlns="" xmlns:a16="http://schemas.microsoft.com/office/drawing/2014/main" id="{586505FD-F7DB-453C-905B-146E33F39EC6}"/>
               </a:ext>
             </a:extLst>
           </p:cNvPr>
@@ -13116,7 +13116,7 @@
           <p:cNvPr id="3" name="Content Placeholder 2">
             <a:extLst>
               <a:ext uri="{FF2B5EF4-FFF2-40B4-BE49-F238E27FC236}">
-                <a16:creationId xmlns:a16="http://schemas.microsoft.com/office/drawing/2014/main" xmlns="" id="{869029A0-F9DB-46B8-A644-4F60A433F039}"/>
+                <a16:creationId xmlns="" xmlns:a16="http://schemas.microsoft.com/office/drawing/2014/main" id="{869029A0-F9DB-46B8-A644-4F60A433F039}"/>
               </a:ext>
             </a:extLst>
           </p:cNvPr>
@@ -13243,7 +13243,7 @@
           <p:cNvPr id="2" name="Title 1">
             <a:extLst>
               <a:ext uri="{FF2B5EF4-FFF2-40B4-BE49-F238E27FC236}">
-                <a16:creationId xmlns:a16="http://schemas.microsoft.com/office/drawing/2014/main" xmlns="" id="{E0F6A107-6AE4-4635-AF88-5306EFE65E77}"/>
+                <a16:creationId xmlns="" xmlns:a16="http://schemas.microsoft.com/office/drawing/2014/main" id="{E0F6A107-6AE4-4635-AF88-5306EFE65E77}"/>
               </a:ext>
             </a:extLst>
           </p:cNvPr>
@@ -13307,7 +13307,7 @@
           <p:cNvPr id="2" name="Title 1">
             <a:extLst>
               <a:ext uri="{FF2B5EF4-FFF2-40B4-BE49-F238E27FC236}">
-                <a16:creationId xmlns:a16="http://schemas.microsoft.com/office/drawing/2014/main" xmlns="" id="{586505FD-F7DB-453C-905B-146E33F39EC6}"/>
+                <a16:creationId xmlns="" xmlns:a16="http://schemas.microsoft.com/office/drawing/2014/main" id="{586505FD-F7DB-453C-905B-146E33F39EC6}"/>
               </a:ext>
             </a:extLst>
           </p:cNvPr>
@@ -13335,7 +13335,7 @@
           <p:cNvPr id="3" name="Content Placeholder 2">
             <a:extLst>
               <a:ext uri="{FF2B5EF4-FFF2-40B4-BE49-F238E27FC236}">
-                <a16:creationId xmlns:a16="http://schemas.microsoft.com/office/drawing/2014/main" xmlns="" id="{869029A0-F9DB-46B8-A644-4F60A433F039}"/>
+                <a16:creationId xmlns="" xmlns:a16="http://schemas.microsoft.com/office/drawing/2014/main" id="{869029A0-F9DB-46B8-A644-4F60A433F039}"/>
               </a:ext>
             </a:extLst>
           </p:cNvPr>
